--- a/tflite/Documents/Image Processing Shopping Cart Tagger.pptx
+++ b/tflite/Documents/Image Processing Shopping Cart Tagger.pptx
@@ -10459,7 +10459,7 @@
             </a:pPr>
             <a:r>
               <a:rPr lang="en-PH" sz="1400" dirty="0"/>
-              <a:t>Determine the most common problems when it comes to customer experience when shopping in supermarkets.</a:t>
+              <a:t>What the most common problems when it comes to customer experience when shopping in supermarkets?</a:t>
             </a:r>
           </a:p>
           <a:p>
@@ -10478,7 +10478,7 @@
             </a:pPr>
             <a:r>
               <a:rPr lang="en-PH" sz="1400" dirty="0"/>
-              <a:t>Identify the necessary processes on how to detect objects with its price and weight efficiently.</a:t>
+              <a:t>How to identify the necessary processes on how to detect objects with its price and weight efficiently?</a:t>
             </a:r>
             <a:endParaRPr lang="en-US" sz="1400" dirty="0"/>
           </a:p>
@@ -10601,8 +10601,13 @@
             </a:pPr>
             <a:r>
               <a:rPr lang="en-PH" sz="1400" dirty="0"/>
-              <a:t>Utilize Image Processing model to eliminate hassle when checking a product’s price and weight.</a:t>
+              <a:t>How can we utilize image processing model to eliminate hassle when checking a product’s price </a:t>
             </a:r>
+            <a:r>
+              <a:rPr lang="en-PH" sz="1400"/>
+              <a:t>and weight?</a:t>
+            </a:r>
+            <a:endParaRPr lang="en-PH" sz="1400" dirty="0"/>
           </a:p>
           <a:p>
             <a:pPr>
@@ -10620,7 +10625,7 @@
             </a:pPr>
             <a:r>
               <a:rPr lang="en-PH" sz="1400" dirty="0"/>
-              <a:t>Create a different and technological way of customer’s shopping experience.</a:t>
+              <a:t>How can we create a different and technological way of customer’s shopping experience?</a:t>
             </a:r>
             <a:endParaRPr lang="en-US" sz="1400" dirty="0"/>
           </a:p>
